--- a/Swift/Swift.pptx
+++ b/Swift/Swift.pptx
@@ -6,10 +6,10 @@
   </p:sldMasterIdLst>
   <p:sldIdLst>
     <p:sldId id="256" r:id="rId5"/>
-    <p:sldId id="263" r:id="rId6"/>
-    <p:sldId id="265" r:id="rId7"/>
-    <p:sldId id="264" r:id="rId8"/>
-    <p:sldId id="259" r:id="rId9"/>
+    <p:sldId id="259" r:id="rId6"/>
+    <p:sldId id="263" r:id="rId7"/>
+    <p:sldId id="265" r:id="rId8"/>
+    <p:sldId id="264" r:id="rId9"/>
     <p:sldId id="260" r:id="rId10"/>
     <p:sldId id="261" r:id="rId11"/>
     <p:sldId id="262" r:id="rId12"/>
@@ -111,6 +111,11 @@
       </a:defRPr>
     </a:lvl9pPr>
   </p:defaultTextStyle>
+  <p:extLst>
+    <p:ext uri="{EFAFB233-063F-42B5-8137-9DF3F51BA10A}">
+      <p15:sldGuideLst xmlns:p15="http://schemas.microsoft.com/office/powerpoint/2012/main"/>
+    </p:ext>
+  </p:extLst>
 </p:presentation>
 </file>
 
@@ -267,7 +272,7 @@
           <a:p>
             <a:fld id="{D1D1EADE-8E88-4C7C-8AC5-FB148DE4940E}" type="datetime1">
               <a:rPr lang="en-US" smtClean="0"/>
-              <a:t>7/17/2025</a:t>
+              <a:t>7/21/2025</a:t>
             </a:fld>
             <a:endParaRPr lang="en-US"/>
           </a:p>
@@ -467,7 +472,7 @@
           <a:p>
             <a:fld id="{EC3C8B9C-477D-492A-96AD-1FC2CC997A73}" type="datetime1">
               <a:rPr lang="en-US" smtClean="0"/>
-              <a:t>7/17/2025</a:t>
+              <a:t>7/21/2025</a:t>
             </a:fld>
             <a:endParaRPr lang="en-US"/>
           </a:p>
@@ -677,7 +682,7 @@
           <a:p>
             <a:fld id="{42D3AED5-E26D-4E29-B1B3-7847B6779594}" type="datetime1">
               <a:rPr lang="en-US" smtClean="0"/>
-              <a:t>7/17/2025</a:t>
+              <a:t>7/21/2025</a:t>
             </a:fld>
             <a:endParaRPr lang="en-US"/>
           </a:p>
@@ -877,7 +882,7 @@
           <a:p>
             <a:fld id="{157B6794-849E-4626-908B-D15793550EFB}" type="datetime1">
               <a:rPr lang="en-US" smtClean="0"/>
-              <a:t>7/17/2025</a:t>
+              <a:t>7/21/2025</a:t>
             </a:fld>
             <a:endParaRPr lang="en-US"/>
           </a:p>
@@ -1153,7 +1158,7 @@
           <a:p>
             <a:fld id="{63DB64E7-5594-42A3-ADBF-E95A7ACEAD64}" type="datetime1">
               <a:rPr lang="en-US" smtClean="0"/>
-              <a:t>7/17/2025</a:t>
+              <a:t>7/21/2025</a:t>
             </a:fld>
             <a:endParaRPr lang="en-US"/>
           </a:p>
@@ -1426,7 +1431,7 @@
           <a:p>
             <a:fld id="{18462B0B-D248-4FFB-8695-AD7FA4B1284A}" type="datetime1">
               <a:rPr lang="en-US" smtClean="0"/>
-              <a:t>7/17/2025</a:t>
+              <a:t>7/21/2025</a:t>
             </a:fld>
             <a:endParaRPr lang="en-US"/>
           </a:p>
@@ -1849,7 +1854,7 @@
           <a:p>
             <a:fld id="{D0378EFB-9159-4510-B73F-4F0409ADE937}" type="datetime1">
               <a:rPr lang="en-US" smtClean="0"/>
-              <a:t>7/17/2025</a:t>
+              <a:t>7/21/2025</a:t>
             </a:fld>
             <a:endParaRPr lang="en-US"/>
           </a:p>
@@ -1991,7 +1996,7 @@
           <a:p>
             <a:fld id="{89BC9412-2452-4BED-A324-9D8C115361AD}" type="datetime1">
               <a:rPr lang="en-US" smtClean="0"/>
-              <a:t>7/17/2025</a:t>
+              <a:t>7/21/2025</a:t>
             </a:fld>
             <a:endParaRPr lang="en-US"/>
           </a:p>
@@ -2104,7 +2109,7 @@
           <a:p>
             <a:fld id="{F5318F62-D251-40E8-A23C-F4CFE9FEAB41}" type="datetime1">
               <a:rPr lang="en-US" smtClean="0"/>
-              <a:t>7/17/2025</a:t>
+              <a:t>7/21/2025</a:t>
             </a:fld>
             <a:endParaRPr lang="en-US"/>
           </a:p>
@@ -2417,7 +2422,7 @@
           <a:p>
             <a:fld id="{44F76144-149E-4874-93A5-554A0357CF82}" type="datetime1">
               <a:rPr lang="en-US" smtClean="0"/>
-              <a:t>7/17/2025</a:t>
+              <a:t>7/21/2025</a:t>
             </a:fld>
             <a:endParaRPr lang="en-US"/>
           </a:p>
@@ -2710,7 +2715,7 @@
           <a:p>
             <a:fld id="{50BA65D8-0540-4835-AE5C-25D29DBA01BE}" type="datetime1">
               <a:rPr lang="en-US" smtClean="0"/>
-              <a:t>7/17/2025</a:t>
+              <a:t>7/21/2025</a:t>
             </a:fld>
             <a:endParaRPr lang="en-US"/>
           </a:p>
@@ -2952,7 +2957,7 @@
           <a:p>
             <a:fld id="{E31BA835-12AC-4E8F-955A-EA3F4DE2791F}" type="datetime1">
               <a:rPr lang="en-US" smtClean="0"/>
-              <a:t>7/17/2025</a:t>
+              <a:t>7/21/2025</a:t>
             </a:fld>
             <a:endParaRPr lang="en-US"/>
           </a:p>
@@ -3763,7 +3768,7 @@
         <p:cNvPr id="1" name="">
           <a:extLst>
             <a:ext uri="{FF2B5EF4-FFF2-40B4-BE49-F238E27FC236}">
-              <a16:creationId xmlns:a16="http://schemas.microsoft.com/office/drawing/2014/main" id="{60244B51-2A1B-E985-98D8-C7E92AF7995B}"/>
+              <a16:creationId xmlns:a16="http://schemas.microsoft.com/office/drawing/2014/main" id="{91E02DEF-C195-0714-1A70-50B6B6F56A8F}"/>
             </a:ext>
           </a:extLst>
         </p:cNvPr>
@@ -3780,10 +3785,10 @@
       </p:grpSpPr>
       <p:sp useBgFill="1">
         <p:nvSpPr>
-          <p:cNvPr id="18" name="Rectangle 17">
-            <a:extLst>
-              <a:ext uri="{FF2B5EF4-FFF2-40B4-BE49-F238E27FC236}">
-                <a16:creationId xmlns:a16="http://schemas.microsoft.com/office/drawing/2014/main" id="{33E93247-6229-44AB-A550-739E971E690B}"/>
+          <p:cNvPr id="26" name="Rectangle 25">
+            <a:extLst>
+              <a:ext uri="{FF2B5EF4-FFF2-40B4-BE49-F238E27FC236}">
+                <a16:creationId xmlns:a16="http://schemas.microsoft.com/office/drawing/2014/main" id="{DEF92653-5D6D-47E6-8744-0DAF76E049C4}"/>
               </a:ext>
               <a:ext uri="{C183D7F6-B498-43B3-948B-1728B52AA6E4}">
                 <adec:decorative xmlns:adec="http://schemas.microsoft.com/office/drawing/2017/decorative" val="1"/>
@@ -3856,6 +3861,448 @@
       </p:sp>
       <p:sp useBgFill="1">
         <p:nvSpPr>
+          <p:cNvPr id="28" name="Rectangle 27">
+            <a:extLst>
+              <a:ext uri="{FF2B5EF4-FFF2-40B4-BE49-F238E27FC236}">
+                <a16:creationId xmlns:a16="http://schemas.microsoft.com/office/drawing/2014/main" id="{AE99FF03-DD5A-4DE5-9633-AA461D9BB750}"/>
+              </a:ext>
+              <a:ext uri="{C183D7F6-B498-43B3-948B-1728B52AA6E4}">
+                <adec:decorative xmlns:adec="http://schemas.microsoft.com/office/drawing/2017/decorative" val="1"/>
+              </a:ext>
+            </a:extLst>
+          </p:cNvPr>
+          <p:cNvSpPr>
+            <a:spLocks noGrp="1" noRot="1" noChangeAspect="1" noMove="1" noResize="1" noEditPoints="1" noAdjustHandles="1" noChangeArrowheads="1" noChangeShapeType="1" noTextEdit="1"/>
+          </p:cNvSpPr>
+          <p:nvPr>
+            <p:extLst>
+              <p:ext uri="{386F3935-93C4-4BCD-93E2-E3B085C9AB24}">
+                <p16:designElem xmlns:p16="http://schemas.microsoft.com/office/powerpoint/2015/main" val="1"/>
+              </p:ext>
+            </p:extLst>
+          </p:nvPr>
+        </p:nvSpPr>
+        <p:spPr>
+          <a:xfrm>
+            <a:off x="0" y="0"/>
+            <a:ext cx="12192000" cy="6858000"/>
+          </a:xfrm>
+          <a:prstGeom prst="rect">
+            <a:avLst/>
+          </a:prstGeom>
+          <a:ln w="12700" cap="flat" cmpd="sng" algn="ctr">
+            <a:noFill/>
+            <a:prstDash val="solid"/>
+            <a:miter lim="800000"/>
+          </a:ln>
+          <a:effectLst/>
+        </p:spPr>
+        <p:style>
+          <a:lnRef idx="2">
+            <a:schemeClr val="accent1">
+              <a:shade val="50000"/>
+            </a:schemeClr>
+          </a:lnRef>
+          <a:fillRef idx="1">
+            <a:schemeClr val="accent1"/>
+          </a:fillRef>
+          <a:effectRef idx="0">
+            <a:schemeClr val="accent1"/>
+          </a:effectRef>
+          <a:fontRef idx="minor">
+            <a:schemeClr val="lt1"/>
+          </a:fontRef>
+        </p:style>
+        <p:txBody>
+          <a:bodyPr rtlCol="0" anchor="ctr"/>
+          <a:lstStyle/>
+          <a:p>
+            <a:pPr algn="ctr"/>
+            <a:endParaRPr lang="en-US"/>
+          </a:p>
+        </p:txBody>
+      </p:sp>
+      <p:sp>
+        <p:nvSpPr>
+          <p:cNvPr id="7" name="ZoneTexte 6">
+            <a:extLst>
+              <a:ext uri="{FF2B5EF4-FFF2-40B4-BE49-F238E27FC236}">
+                <a16:creationId xmlns:a16="http://schemas.microsoft.com/office/drawing/2014/main" id="{93A0F4AE-09A7-E0BE-8832-81B86EF129A3}"/>
+              </a:ext>
+            </a:extLst>
+          </p:cNvPr>
+          <p:cNvSpPr txBox="1"/>
+          <p:nvPr/>
+        </p:nvSpPr>
+        <p:spPr>
+          <a:xfrm>
+            <a:off x="4789941" y="511685"/>
+            <a:ext cx="6404238" cy="5622415"/>
+          </a:xfrm>
+          <a:prstGeom prst="rect">
+            <a:avLst/>
+          </a:prstGeom>
+        </p:spPr>
+        <p:txBody>
+          <a:bodyPr vert="horz" lIns="91440" tIns="45720" rIns="91440" bIns="45720" rtlCol="0" anchor="t">
+            <a:normAutofit/>
+          </a:bodyPr>
+          <a:lstStyle/>
+          <a:p>
+            <a:pPr>
+              <a:spcBef>
+                <a:spcPct val="0"/>
+              </a:spcBef>
+              <a:spcAft>
+                <a:spcPts val="600"/>
+              </a:spcAft>
+            </a:pPr>
+            <a:r>
+              <a:rPr lang="en-US" sz="6600" cap="all" spc="30">
+                <a:latin typeface="+mj-lt"/>
+                <a:ea typeface="+mj-ea"/>
+                <a:cs typeface="+mj-cs"/>
+              </a:rPr>
+              <a:t>Main features :</a:t>
+            </a:r>
+          </a:p>
+        </p:txBody>
+      </p:sp>
+      <p:cxnSp>
+        <p:nvCxnSpPr>
+          <p:cNvPr id="30" name="Straight Connector 29">
+            <a:extLst>
+              <a:ext uri="{FF2B5EF4-FFF2-40B4-BE49-F238E27FC236}">
+                <a16:creationId xmlns:a16="http://schemas.microsoft.com/office/drawing/2014/main" id="{9CA98CE3-81A7-4FFE-A047-9AA65998D877}"/>
+              </a:ext>
+              <a:ext uri="{C183D7F6-B498-43B3-948B-1728B52AA6E4}">
+                <adec:decorative xmlns:adec="http://schemas.microsoft.com/office/drawing/2017/decorative" val="1"/>
+              </a:ext>
+            </a:extLst>
+          </p:cNvPr>
+          <p:cNvCxnSpPr>
+            <a:cxnSpLocks noGrp="1" noRot="1" noChangeAspect="1" noMove="1" noResize="1" noEditPoints="1" noAdjustHandles="1" noChangeArrowheads="1" noChangeShapeType="1"/>
+          </p:cNvCxnSpPr>
+          <p:nvPr>
+            <p:extLst>
+              <p:ext uri="{386F3935-93C4-4BCD-93E2-E3B085C9AB24}">
+                <p16:designElem xmlns:p16="http://schemas.microsoft.com/office/powerpoint/2015/main" val="1"/>
+              </p:ext>
+            </p:extLst>
+          </p:nvPr>
+        </p:nvCxnSpPr>
+        <p:spPr>
+          <a:xfrm flipV="1">
+            <a:off x="4056169" y="723900"/>
+            <a:ext cx="0" cy="5334000"/>
+          </a:xfrm>
+          <a:prstGeom prst="line">
+            <a:avLst/>
+          </a:prstGeom>
+          <a:ln w="44450">
+            <a:solidFill>
+              <a:schemeClr val="tx1"/>
+            </a:solidFill>
+          </a:ln>
+        </p:spPr>
+        <p:style>
+          <a:lnRef idx="1">
+            <a:schemeClr val="accent1"/>
+          </a:lnRef>
+          <a:fillRef idx="0">
+            <a:schemeClr val="accent1"/>
+          </a:fillRef>
+          <a:effectRef idx="0">
+            <a:schemeClr val="accent1"/>
+          </a:effectRef>
+          <a:fontRef idx="minor">
+            <a:schemeClr val="tx1"/>
+          </a:fontRef>
+        </p:style>
+      </p:cxnSp>
+      <p:sp>
+        <p:nvSpPr>
+          <p:cNvPr id="22" name="ZoneTexte 21">
+            <a:extLst>
+              <a:ext uri="{FF2B5EF4-FFF2-40B4-BE49-F238E27FC236}">
+                <a16:creationId xmlns:a16="http://schemas.microsoft.com/office/drawing/2014/main" id="{2264D769-23C0-A57B-F414-5B94459F1C9A}"/>
+              </a:ext>
+            </a:extLst>
+          </p:cNvPr>
+          <p:cNvSpPr txBox="1"/>
+          <p:nvPr/>
+        </p:nvSpPr>
+        <p:spPr>
+          <a:xfrm>
+            <a:off x="4686299" y="2045870"/>
+            <a:ext cx="2423746" cy="452950"/>
+          </a:xfrm>
+          <a:prstGeom prst="rect">
+            <a:avLst/>
+          </a:prstGeom>
+        </p:spPr>
+        <p:txBody>
+          <a:bodyPr vert="horz" lIns="91440" tIns="45720" rIns="91440" bIns="45720" rtlCol="0" anchor="b">
+            <a:noAutofit/>
+          </a:bodyPr>
+          <a:lstStyle/>
+          <a:p>
+            <a:pPr marL="342900" indent="-342900">
+              <a:lnSpc>
+                <a:spcPct val="110000"/>
+              </a:lnSpc>
+              <a:spcBef>
+                <a:spcPts val="1000"/>
+              </a:spcBef>
+              <a:buFont typeface="Arial" panose="020B0604020202020204" pitchFamily="34" charset="0"/>
+              <a:buChar char="•"/>
+            </a:pPr>
+            <a:r>
+              <a:rPr lang="en-US" sz="2400" dirty="0"/>
+              <a:t>Performance</a:t>
+            </a:r>
+          </a:p>
+        </p:txBody>
+      </p:sp>
+      <p:sp>
+        <p:nvSpPr>
+          <p:cNvPr id="23" name="ZoneTexte 22">
+            <a:extLst>
+              <a:ext uri="{FF2B5EF4-FFF2-40B4-BE49-F238E27FC236}">
+                <a16:creationId xmlns:a16="http://schemas.microsoft.com/office/drawing/2014/main" id="{CB091B6F-7349-4634-48DB-0AE523C239A3}"/>
+              </a:ext>
+            </a:extLst>
+          </p:cNvPr>
+          <p:cNvSpPr txBox="1"/>
+          <p:nvPr/>
+        </p:nvSpPr>
+        <p:spPr>
+          <a:xfrm>
+            <a:off x="4686299" y="2775440"/>
+            <a:ext cx="2028092" cy="461665"/>
+          </a:xfrm>
+          <a:prstGeom prst="rect">
+            <a:avLst/>
+          </a:prstGeom>
+          <a:noFill/>
+        </p:spPr>
+        <p:txBody>
+          <a:bodyPr wrap="square" rtlCol="0">
+            <a:spAutoFit/>
+          </a:bodyPr>
+          <a:lstStyle/>
+          <a:p>
+            <a:pPr marL="285750" indent="-285750">
+              <a:buFont typeface="Arial" panose="020B0604020202020204" pitchFamily="34" charset="0"/>
+              <a:buChar char="•"/>
+            </a:pPr>
+            <a:r>
+              <a:rPr lang="fr-FR" sz="2400" dirty="0"/>
+              <a:t>Security</a:t>
+            </a:r>
+          </a:p>
+        </p:txBody>
+      </p:sp>
+      <p:sp>
+        <p:nvSpPr>
+          <p:cNvPr id="25" name="ZoneTexte 24">
+            <a:extLst>
+              <a:ext uri="{FF2B5EF4-FFF2-40B4-BE49-F238E27FC236}">
+                <a16:creationId xmlns:a16="http://schemas.microsoft.com/office/drawing/2014/main" id="{A947E8FD-533D-391B-5C4B-C393BE3335E9}"/>
+              </a:ext>
+            </a:extLst>
+          </p:cNvPr>
+          <p:cNvSpPr txBox="1"/>
+          <p:nvPr/>
+        </p:nvSpPr>
+        <p:spPr>
+          <a:xfrm>
+            <a:off x="4686299" y="4292445"/>
+            <a:ext cx="1537600" cy="461665"/>
+          </a:xfrm>
+          <a:prstGeom prst="rect">
+            <a:avLst/>
+          </a:prstGeom>
+          <a:noFill/>
+        </p:spPr>
+        <p:txBody>
+          <a:bodyPr wrap="none" rtlCol="0">
+            <a:spAutoFit/>
+          </a:bodyPr>
+          <a:lstStyle/>
+          <a:p>
+            <a:pPr marL="285750" indent="-285750">
+              <a:buFont typeface="Arial" panose="020B0604020202020204" pitchFamily="34" charset="0"/>
+              <a:buChar char="•"/>
+            </a:pPr>
+            <a:r>
+              <a:rPr lang="fr-FR" sz="2400" dirty="0"/>
+              <a:t>Security</a:t>
+            </a:r>
+          </a:p>
+        </p:txBody>
+      </p:sp>
+      <p:sp>
+        <p:nvSpPr>
+          <p:cNvPr id="27" name="ZoneTexte 26">
+            <a:extLst>
+              <a:ext uri="{FF2B5EF4-FFF2-40B4-BE49-F238E27FC236}">
+                <a16:creationId xmlns:a16="http://schemas.microsoft.com/office/drawing/2014/main" id="{93983887-04AA-90D8-1C66-0358C2399D22}"/>
+              </a:ext>
+            </a:extLst>
+          </p:cNvPr>
+          <p:cNvSpPr txBox="1"/>
+          <p:nvPr/>
+        </p:nvSpPr>
+        <p:spPr>
+          <a:xfrm>
+            <a:off x="4686299" y="3517957"/>
+            <a:ext cx="2113079" cy="461665"/>
+          </a:xfrm>
+          <a:prstGeom prst="rect">
+            <a:avLst/>
+          </a:prstGeom>
+          <a:noFill/>
+        </p:spPr>
+        <p:txBody>
+          <a:bodyPr wrap="none" rtlCol="0">
+            <a:spAutoFit/>
+          </a:bodyPr>
+          <a:lstStyle/>
+          <a:p>
+            <a:pPr marL="285750" indent="-285750">
+              <a:buFont typeface="Arial" panose="020B0604020202020204" pitchFamily="34" charset="0"/>
+              <a:buChar char="•"/>
+            </a:pPr>
+            <a:r>
+              <a:rPr lang="fr-FR" sz="2400" dirty="0"/>
+              <a:t>Open source</a:t>
+            </a:r>
+          </a:p>
+        </p:txBody>
+      </p:sp>
+    </p:spTree>
+    <p:extLst>
+      <p:ext uri="{BB962C8B-B14F-4D97-AF65-F5344CB8AC3E}">
+        <p14:creationId xmlns:p14="http://schemas.microsoft.com/office/powerpoint/2010/main" val="2142406472"/>
+      </p:ext>
+    </p:extLst>
+  </p:cSld>
+  <p:clrMapOvr>
+    <a:overrideClrMapping bg1="dk1" tx1="lt1" bg2="dk2" tx2="lt2" accent1="accent1" accent2="accent2" accent3="accent3" accent4="accent4" accent5="accent5" accent6="accent6" hlink="hlink" folHlink="folHlink"/>
+  </p:clrMapOvr>
+</p:sld>
+</file>
+
+<file path=ppt/slides/slide3.xml><?xml version="1.0" encoding="utf-8"?>
+<p:sld xmlns:a="http://schemas.openxmlformats.org/drawingml/2006/main" xmlns:r="http://schemas.openxmlformats.org/officeDocument/2006/relationships" xmlns:p="http://schemas.openxmlformats.org/presentationml/2006/main">
+  <p:cSld>
+    <p:bg>
+      <p:bgPr>
+        <a:solidFill>
+          <a:schemeClr val="bg1"/>
+        </a:solidFill>
+        <a:effectLst/>
+      </p:bgPr>
+    </p:bg>
+    <p:spTree>
+      <p:nvGrpSpPr>
+        <p:cNvPr id="1" name="">
+          <a:extLst>
+            <a:ext uri="{FF2B5EF4-FFF2-40B4-BE49-F238E27FC236}">
+              <a16:creationId xmlns:a16="http://schemas.microsoft.com/office/drawing/2014/main" id="{60244B51-2A1B-E985-98D8-C7E92AF7995B}"/>
+            </a:ext>
+          </a:extLst>
+        </p:cNvPr>
+        <p:cNvGrpSpPr/>
+        <p:nvPr/>
+      </p:nvGrpSpPr>
+      <p:grpSpPr>
+        <a:xfrm>
+          <a:off x="0" y="0"/>
+          <a:ext cx="0" cy="0"/>
+          <a:chOff x="0" y="0"/>
+          <a:chExt cx="0" cy="0"/>
+        </a:xfrm>
+      </p:grpSpPr>
+      <p:sp useBgFill="1">
+        <p:nvSpPr>
+          <p:cNvPr id="18" name="Rectangle 17">
+            <a:extLst>
+              <a:ext uri="{FF2B5EF4-FFF2-40B4-BE49-F238E27FC236}">
+                <a16:creationId xmlns:a16="http://schemas.microsoft.com/office/drawing/2014/main" id="{33E93247-6229-44AB-A550-739E971E690B}"/>
+              </a:ext>
+              <a:ext uri="{C183D7F6-B498-43B3-948B-1728B52AA6E4}">
+                <adec:decorative xmlns:adec="http://schemas.microsoft.com/office/drawing/2017/decorative" val="1"/>
+              </a:ext>
+            </a:extLst>
+          </p:cNvPr>
+          <p:cNvSpPr>
+            <a:spLocks noGrp="1" noRot="1" noChangeAspect="1" noMove="1" noResize="1" noEditPoints="1" noAdjustHandles="1" noChangeArrowheads="1" noChangeShapeType="1" noTextEdit="1"/>
+          </p:cNvSpPr>
+          <p:nvPr>
+            <p:extLst>
+              <p:ext uri="{386F3935-93C4-4BCD-93E2-E3B085C9AB24}">
+                <p16:designElem xmlns:p16="http://schemas.microsoft.com/office/powerpoint/2015/main" val="1"/>
+              </p:ext>
+            </p:extLst>
+          </p:nvPr>
+        </p:nvSpPr>
+        <p:spPr>
+          <a:xfrm>
+            <a:off x="0" y="0"/>
+            <a:ext cx="12192000" cy="6858000"/>
+          </a:xfrm>
+          <a:prstGeom prst="rect">
+            <a:avLst/>
+          </a:prstGeom>
+          <a:ln w="12700" cap="flat" cmpd="sng" algn="ctr">
+            <a:noFill/>
+            <a:prstDash val="solid"/>
+            <a:miter lim="800000"/>
+          </a:ln>
+          <a:effectLst/>
+          <a:extLst>
+            <a:ext uri="{91240B29-F687-4F45-9708-019B960494DF}">
+              <a14:hiddenLine xmlns:a14="http://schemas.microsoft.com/office/drawing/2010/main" w="12700" cap="flat" cmpd="sng" algn="ctr">
+                <a:solidFill>
+                  <a:schemeClr val="accent1">
+                    <a:shade val="50000"/>
+                  </a:schemeClr>
+                </a:solidFill>
+                <a:prstDash val="solid"/>
+                <a:miter lim="800000"/>
+              </a14:hiddenLine>
+            </a:ext>
+          </a:extLst>
+        </p:spPr>
+        <p:style>
+          <a:lnRef idx="2">
+            <a:schemeClr val="accent1">
+              <a:shade val="50000"/>
+            </a:schemeClr>
+          </a:lnRef>
+          <a:fillRef idx="1">
+            <a:schemeClr val="accent1"/>
+          </a:fillRef>
+          <a:effectRef idx="0">
+            <a:schemeClr val="accent1"/>
+          </a:effectRef>
+          <a:fontRef idx="minor">
+            <a:schemeClr val="lt1"/>
+          </a:fontRef>
+        </p:style>
+        <p:txBody>
+          <a:bodyPr rtlCol="0" anchor="ctr"/>
+          <a:lstStyle/>
+          <a:p>
+            <a:pPr algn="ctr"/>
+            <a:endParaRPr lang="en-US"/>
+          </a:p>
+        </p:txBody>
+      </p:sp>
+      <p:sp useBgFill="1">
+        <p:nvSpPr>
           <p:cNvPr id="23" name="Rectangle 22">
             <a:extLst>
               <a:ext uri="{FF2B5EF4-FFF2-40B4-BE49-F238E27FC236}">
@@ -4159,7 +4606,7 @@
 </p:sld>
 </file>
 
-<file path=ppt/slides/slide3.xml><?xml version="1.0" encoding="utf-8"?>
+<file path=ppt/slides/slide4.xml><?xml version="1.0" encoding="utf-8"?>
 <p:sld xmlns:a="http://schemas.openxmlformats.org/drawingml/2006/main" xmlns:r="http://schemas.openxmlformats.org/officeDocument/2006/relationships" xmlns:p="http://schemas.openxmlformats.org/presentationml/2006/main">
   <p:cSld>
     <p:bg>
@@ -4475,7 +4922,7 @@
 </p:sld>
 </file>
 
-<file path=ppt/slides/slide4.xml><?xml version="1.0" encoding="utf-8"?>
+<file path=ppt/slides/slide5.xml><?xml version="1.0" encoding="utf-8"?>
 <p:sld xmlns:a="http://schemas.openxmlformats.org/drawingml/2006/main" xmlns:r="http://schemas.openxmlformats.org/officeDocument/2006/relationships" xmlns:p="http://schemas.openxmlformats.org/presentationml/2006/main">
   <p:cSld>
     <p:spTree>
@@ -4543,488 +4990,6 @@
   </p:cSld>
   <p:clrMapOvr>
     <a:masterClrMapping/>
-  </p:clrMapOvr>
-</p:sld>
-</file>
-
-<file path=ppt/slides/slide5.xml><?xml version="1.0" encoding="utf-8"?>
-<p:sld xmlns:a="http://schemas.openxmlformats.org/drawingml/2006/main" xmlns:r="http://schemas.openxmlformats.org/officeDocument/2006/relationships" xmlns:p="http://schemas.openxmlformats.org/presentationml/2006/main">
-  <p:cSld>
-    <p:bg>
-      <p:bgPr>
-        <a:solidFill>
-          <a:schemeClr val="bg1"/>
-        </a:solidFill>
-        <a:effectLst/>
-      </p:bgPr>
-    </p:bg>
-    <p:spTree>
-      <p:nvGrpSpPr>
-        <p:cNvPr id="1" name="">
-          <a:extLst>
-            <a:ext uri="{FF2B5EF4-FFF2-40B4-BE49-F238E27FC236}">
-              <a16:creationId xmlns:a16="http://schemas.microsoft.com/office/drawing/2014/main" id="{91E02DEF-C195-0714-1A70-50B6B6F56A8F}"/>
-            </a:ext>
-          </a:extLst>
-        </p:cNvPr>
-        <p:cNvGrpSpPr/>
-        <p:nvPr/>
-      </p:nvGrpSpPr>
-      <p:grpSpPr>
-        <a:xfrm>
-          <a:off x="0" y="0"/>
-          <a:ext cx="0" cy="0"/>
-          <a:chOff x="0" y="0"/>
-          <a:chExt cx="0" cy="0"/>
-        </a:xfrm>
-      </p:grpSpPr>
-      <p:sp useBgFill="1">
-        <p:nvSpPr>
-          <p:cNvPr id="26" name="Rectangle 25">
-            <a:extLst>
-              <a:ext uri="{FF2B5EF4-FFF2-40B4-BE49-F238E27FC236}">
-                <a16:creationId xmlns:a16="http://schemas.microsoft.com/office/drawing/2014/main" id="{DEF92653-5D6D-47E6-8744-0DAF76E049C4}"/>
-              </a:ext>
-              <a:ext uri="{C183D7F6-B498-43B3-948B-1728B52AA6E4}">
-                <adec:decorative xmlns:adec="http://schemas.microsoft.com/office/drawing/2017/decorative" val="1"/>
-              </a:ext>
-            </a:extLst>
-          </p:cNvPr>
-          <p:cNvSpPr>
-            <a:spLocks noGrp="1" noRot="1" noChangeAspect="1" noMove="1" noResize="1" noEditPoints="1" noAdjustHandles="1" noChangeArrowheads="1" noChangeShapeType="1" noTextEdit="1"/>
-          </p:cNvSpPr>
-          <p:nvPr>
-            <p:extLst>
-              <p:ext uri="{386F3935-93C4-4BCD-93E2-E3B085C9AB24}">
-                <p16:designElem xmlns:p16="http://schemas.microsoft.com/office/powerpoint/2015/main" val="1"/>
-              </p:ext>
-            </p:extLst>
-          </p:nvPr>
-        </p:nvSpPr>
-        <p:spPr>
-          <a:xfrm>
-            <a:off x="0" y="0"/>
-            <a:ext cx="12192000" cy="6858000"/>
-          </a:xfrm>
-          <a:prstGeom prst="rect">
-            <a:avLst/>
-          </a:prstGeom>
-          <a:ln w="12700" cap="flat" cmpd="sng" algn="ctr">
-            <a:noFill/>
-            <a:prstDash val="solid"/>
-            <a:miter lim="800000"/>
-          </a:ln>
-          <a:effectLst/>
-          <a:extLst>
-            <a:ext uri="{91240B29-F687-4F45-9708-019B960494DF}">
-              <a14:hiddenLine xmlns:a14="http://schemas.microsoft.com/office/drawing/2010/main" w="12700" cap="flat" cmpd="sng" algn="ctr">
-                <a:solidFill>
-                  <a:schemeClr val="accent1">
-                    <a:shade val="50000"/>
-                  </a:schemeClr>
-                </a:solidFill>
-                <a:prstDash val="solid"/>
-                <a:miter lim="800000"/>
-              </a14:hiddenLine>
-            </a:ext>
-          </a:extLst>
-        </p:spPr>
-        <p:style>
-          <a:lnRef idx="2">
-            <a:schemeClr val="accent1">
-              <a:shade val="50000"/>
-            </a:schemeClr>
-          </a:lnRef>
-          <a:fillRef idx="1">
-            <a:schemeClr val="accent1"/>
-          </a:fillRef>
-          <a:effectRef idx="0">
-            <a:schemeClr val="accent1"/>
-          </a:effectRef>
-          <a:fontRef idx="minor">
-            <a:schemeClr val="lt1"/>
-          </a:fontRef>
-        </p:style>
-        <p:txBody>
-          <a:bodyPr rtlCol="0" anchor="ctr"/>
-          <a:lstStyle/>
-          <a:p>
-            <a:pPr algn="ctr"/>
-            <a:endParaRPr lang="en-US"/>
-          </a:p>
-        </p:txBody>
-      </p:sp>
-      <p:sp useBgFill="1">
-        <p:nvSpPr>
-          <p:cNvPr id="28" name="Rectangle 27">
-            <a:extLst>
-              <a:ext uri="{FF2B5EF4-FFF2-40B4-BE49-F238E27FC236}">
-                <a16:creationId xmlns:a16="http://schemas.microsoft.com/office/drawing/2014/main" id="{AE99FF03-DD5A-4DE5-9633-AA461D9BB750}"/>
-              </a:ext>
-              <a:ext uri="{C183D7F6-B498-43B3-948B-1728B52AA6E4}">
-                <adec:decorative xmlns:adec="http://schemas.microsoft.com/office/drawing/2017/decorative" val="1"/>
-              </a:ext>
-            </a:extLst>
-          </p:cNvPr>
-          <p:cNvSpPr>
-            <a:spLocks noGrp="1" noRot="1" noChangeAspect="1" noMove="1" noResize="1" noEditPoints="1" noAdjustHandles="1" noChangeArrowheads="1" noChangeShapeType="1" noTextEdit="1"/>
-          </p:cNvSpPr>
-          <p:nvPr>
-            <p:extLst>
-              <p:ext uri="{386F3935-93C4-4BCD-93E2-E3B085C9AB24}">
-                <p16:designElem xmlns:p16="http://schemas.microsoft.com/office/powerpoint/2015/main" val="1"/>
-              </p:ext>
-            </p:extLst>
-          </p:nvPr>
-        </p:nvSpPr>
-        <p:spPr>
-          <a:xfrm>
-            <a:off x="0" y="0"/>
-            <a:ext cx="12192000" cy="6858000"/>
-          </a:xfrm>
-          <a:prstGeom prst="rect">
-            <a:avLst/>
-          </a:prstGeom>
-          <a:ln w="12700" cap="flat" cmpd="sng" algn="ctr">
-            <a:noFill/>
-            <a:prstDash val="solid"/>
-            <a:miter lim="800000"/>
-          </a:ln>
-          <a:effectLst/>
-        </p:spPr>
-        <p:style>
-          <a:lnRef idx="2">
-            <a:schemeClr val="accent1">
-              <a:shade val="50000"/>
-            </a:schemeClr>
-          </a:lnRef>
-          <a:fillRef idx="1">
-            <a:schemeClr val="accent1"/>
-          </a:fillRef>
-          <a:effectRef idx="0">
-            <a:schemeClr val="accent1"/>
-          </a:effectRef>
-          <a:fontRef idx="minor">
-            <a:schemeClr val="lt1"/>
-          </a:fontRef>
-        </p:style>
-        <p:txBody>
-          <a:bodyPr rtlCol="0" anchor="ctr"/>
-          <a:lstStyle/>
-          <a:p>
-            <a:pPr algn="ctr"/>
-            <a:endParaRPr lang="en-US"/>
-          </a:p>
-        </p:txBody>
-      </p:sp>
-      <p:sp>
-        <p:nvSpPr>
-          <p:cNvPr id="7" name="ZoneTexte 6">
-            <a:extLst>
-              <a:ext uri="{FF2B5EF4-FFF2-40B4-BE49-F238E27FC236}">
-                <a16:creationId xmlns:a16="http://schemas.microsoft.com/office/drawing/2014/main" id="{93A0F4AE-09A7-E0BE-8832-81B86EF129A3}"/>
-              </a:ext>
-            </a:extLst>
-          </p:cNvPr>
-          <p:cNvSpPr txBox="1"/>
-          <p:nvPr/>
-        </p:nvSpPr>
-        <p:spPr>
-          <a:xfrm>
-            <a:off x="4789941" y="511685"/>
-            <a:ext cx="6404238" cy="5622415"/>
-          </a:xfrm>
-          <a:prstGeom prst="rect">
-            <a:avLst/>
-          </a:prstGeom>
-        </p:spPr>
-        <p:txBody>
-          <a:bodyPr vert="horz" lIns="91440" tIns="45720" rIns="91440" bIns="45720" rtlCol="0" anchor="t">
-            <a:normAutofit/>
-          </a:bodyPr>
-          <a:lstStyle/>
-          <a:p>
-            <a:pPr>
-              <a:spcBef>
-                <a:spcPct val="0"/>
-              </a:spcBef>
-              <a:spcAft>
-                <a:spcPts val="600"/>
-              </a:spcAft>
-            </a:pPr>
-            <a:r>
-              <a:rPr lang="en-US" sz="6600" cap="all" spc="30">
-                <a:latin typeface="+mj-lt"/>
-                <a:ea typeface="+mj-ea"/>
-                <a:cs typeface="+mj-cs"/>
-              </a:rPr>
-              <a:t>Main features :</a:t>
-            </a:r>
-          </a:p>
-        </p:txBody>
-      </p:sp>
-      <p:cxnSp>
-        <p:nvCxnSpPr>
-          <p:cNvPr id="30" name="Straight Connector 29">
-            <a:extLst>
-              <a:ext uri="{FF2B5EF4-FFF2-40B4-BE49-F238E27FC236}">
-                <a16:creationId xmlns:a16="http://schemas.microsoft.com/office/drawing/2014/main" id="{9CA98CE3-81A7-4FFE-A047-9AA65998D877}"/>
-              </a:ext>
-              <a:ext uri="{C183D7F6-B498-43B3-948B-1728B52AA6E4}">
-                <adec:decorative xmlns:adec="http://schemas.microsoft.com/office/drawing/2017/decorative" val="1"/>
-              </a:ext>
-            </a:extLst>
-          </p:cNvPr>
-          <p:cNvCxnSpPr>
-            <a:cxnSpLocks noGrp="1" noRot="1" noChangeAspect="1" noMove="1" noResize="1" noEditPoints="1" noAdjustHandles="1" noChangeArrowheads="1" noChangeShapeType="1"/>
-          </p:cNvCxnSpPr>
-          <p:nvPr>
-            <p:extLst>
-              <p:ext uri="{386F3935-93C4-4BCD-93E2-E3B085C9AB24}">
-                <p16:designElem xmlns:p16="http://schemas.microsoft.com/office/powerpoint/2015/main" val="1"/>
-              </p:ext>
-            </p:extLst>
-          </p:nvPr>
-        </p:nvCxnSpPr>
-        <p:spPr>
-          <a:xfrm flipV="1">
-            <a:off x="4056169" y="723900"/>
-            <a:ext cx="0" cy="5334000"/>
-          </a:xfrm>
-          <a:prstGeom prst="line">
-            <a:avLst/>
-          </a:prstGeom>
-          <a:ln w="44450">
-            <a:solidFill>
-              <a:schemeClr val="tx1"/>
-            </a:solidFill>
-          </a:ln>
-        </p:spPr>
-        <p:style>
-          <a:lnRef idx="1">
-            <a:schemeClr val="accent1"/>
-          </a:lnRef>
-          <a:fillRef idx="0">
-            <a:schemeClr val="accent1"/>
-          </a:fillRef>
-          <a:effectRef idx="0">
-            <a:schemeClr val="accent1"/>
-          </a:effectRef>
-          <a:fontRef idx="minor">
-            <a:schemeClr val="tx1"/>
-          </a:fontRef>
-        </p:style>
-      </p:cxnSp>
-      <p:sp>
-        <p:nvSpPr>
-          <p:cNvPr id="22" name="ZoneTexte 21">
-            <a:extLst>
-              <a:ext uri="{FF2B5EF4-FFF2-40B4-BE49-F238E27FC236}">
-                <a16:creationId xmlns:a16="http://schemas.microsoft.com/office/drawing/2014/main" id="{2264D769-23C0-A57B-F414-5B94459F1C9A}"/>
-              </a:ext>
-            </a:extLst>
-          </p:cNvPr>
-          <p:cNvSpPr txBox="1"/>
-          <p:nvPr/>
-        </p:nvSpPr>
-        <p:spPr>
-          <a:xfrm>
-            <a:off x="4686299" y="2045870"/>
-            <a:ext cx="2423746" cy="452950"/>
-          </a:xfrm>
-          <a:prstGeom prst="rect">
-            <a:avLst/>
-          </a:prstGeom>
-        </p:spPr>
-        <p:txBody>
-          <a:bodyPr vert="horz" lIns="91440" tIns="45720" rIns="91440" bIns="45720" rtlCol="0" anchor="b">
-            <a:noAutofit/>
-          </a:bodyPr>
-          <a:lstStyle/>
-          <a:p>
-            <a:pPr marL="342900" indent="-342900">
-              <a:lnSpc>
-                <a:spcPct val="110000"/>
-              </a:lnSpc>
-              <a:spcBef>
-                <a:spcPts val="1000"/>
-              </a:spcBef>
-              <a:buFont typeface="Arial" panose="020B0604020202020204" pitchFamily="34" charset="0"/>
-              <a:buChar char="•"/>
-            </a:pPr>
-            <a:r>
-              <a:rPr lang="en-US" sz="2400" dirty="0"/>
-              <a:t>Performance</a:t>
-            </a:r>
-          </a:p>
-        </p:txBody>
-      </p:sp>
-      <p:sp>
-        <p:nvSpPr>
-          <p:cNvPr id="23" name="ZoneTexte 22">
-            <a:extLst>
-              <a:ext uri="{FF2B5EF4-FFF2-40B4-BE49-F238E27FC236}">
-                <a16:creationId xmlns:a16="http://schemas.microsoft.com/office/drawing/2014/main" id="{CB091B6F-7349-4634-48DB-0AE523C239A3}"/>
-              </a:ext>
-            </a:extLst>
-          </p:cNvPr>
-          <p:cNvSpPr txBox="1"/>
-          <p:nvPr/>
-        </p:nvSpPr>
-        <p:spPr>
-          <a:xfrm>
-            <a:off x="4686299" y="2775440"/>
-            <a:ext cx="2028092" cy="461665"/>
-          </a:xfrm>
-          <a:prstGeom prst="rect">
-            <a:avLst/>
-          </a:prstGeom>
-          <a:noFill/>
-        </p:spPr>
-        <p:txBody>
-          <a:bodyPr wrap="square" rtlCol="0">
-            <a:spAutoFit/>
-          </a:bodyPr>
-          <a:lstStyle/>
-          <a:p>
-            <a:pPr marL="285750" indent="-285750">
-              <a:buFont typeface="Arial" panose="020B0604020202020204" pitchFamily="34" charset="0"/>
-              <a:buChar char="•"/>
-            </a:pPr>
-            <a:r>
-              <a:rPr lang="fr-FR" sz="2400" dirty="0"/>
-              <a:t>Security</a:t>
-            </a:r>
-          </a:p>
-        </p:txBody>
-      </p:sp>
-      <p:sp>
-        <p:nvSpPr>
-          <p:cNvPr id="24" name="ZoneTexte 23">
-            <a:extLst>
-              <a:ext uri="{FF2B5EF4-FFF2-40B4-BE49-F238E27FC236}">
-                <a16:creationId xmlns:a16="http://schemas.microsoft.com/office/drawing/2014/main" id="{8F1A8DBC-8C50-91BD-67F8-D17ED7394D9E}"/>
-              </a:ext>
-            </a:extLst>
-          </p:cNvPr>
-          <p:cNvSpPr txBox="1"/>
-          <p:nvPr/>
-        </p:nvSpPr>
-        <p:spPr>
-          <a:xfrm>
-            <a:off x="4686299" y="3513725"/>
-            <a:ext cx="2550698" cy="461665"/>
-          </a:xfrm>
-          <a:prstGeom prst="rect">
-            <a:avLst/>
-          </a:prstGeom>
-          <a:noFill/>
-        </p:spPr>
-        <p:txBody>
-          <a:bodyPr wrap="none" rtlCol="0">
-            <a:spAutoFit/>
-          </a:bodyPr>
-          <a:lstStyle/>
-          <a:p>
-            <a:pPr marL="342900" indent="-342900">
-              <a:buFont typeface="Arial" panose="020B0604020202020204" pitchFamily="34" charset="0"/>
-              <a:buChar char="•"/>
-            </a:pPr>
-            <a:r>
-              <a:rPr lang="fr-FR" sz="2400" dirty="0" err="1"/>
-              <a:t>Interoperability</a:t>
-            </a:r>
-            <a:endParaRPr lang="fr-FR" sz="2400" dirty="0"/>
-          </a:p>
-        </p:txBody>
-      </p:sp>
-      <p:sp>
-        <p:nvSpPr>
-          <p:cNvPr id="25" name="ZoneTexte 24">
-            <a:extLst>
-              <a:ext uri="{FF2B5EF4-FFF2-40B4-BE49-F238E27FC236}">
-                <a16:creationId xmlns:a16="http://schemas.microsoft.com/office/drawing/2014/main" id="{A947E8FD-533D-391B-5C4B-C393BE3335E9}"/>
-              </a:ext>
-            </a:extLst>
-          </p:cNvPr>
-          <p:cNvSpPr txBox="1"/>
-          <p:nvPr/>
-        </p:nvSpPr>
-        <p:spPr>
-          <a:xfrm>
-            <a:off x="4686299" y="5062701"/>
-            <a:ext cx="1537600" cy="461665"/>
-          </a:xfrm>
-          <a:prstGeom prst="rect">
-            <a:avLst/>
-          </a:prstGeom>
-          <a:noFill/>
-        </p:spPr>
-        <p:txBody>
-          <a:bodyPr wrap="none" rtlCol="0">
-            <a:spAutoFit/>
-          </a:bodyPr>
-          <a:lstStyle/>
-          <a:p>
-            <a:pPr marL="285750" indent="-285750">
-              <a:buFont typeface="Arial" panose="020B0604020202020204" pitchFamily="34" charset="0"/>
-              <a:buChar char="•"/>
-            </a:pPr>
-            <a:r>
-              <a:rPr lang="fr-FR" sz="2400" dirty="0"/>
-              <a:t>Security</a:t>
-            </a:r>
-          </a:p>
-        </p:txBody>
-      </p:sp>
-      <p:sp>
-        <p:nvSpPr>
-          <p:cNvPr id="27" name="ZoneTexte 26">
-            <a:extLst>
-              <a:ext uri="{FF2B5EF4-FFF2-40B4-BE49-F238E27FC236}">
-                <a16:creationId xmlns:a16="http://schemas.microsoft.com/office/drawing/2014/main" id="{93983887-04AA-90D8-1C66-0358C2399D22}"/>
-              </a:ext>
-            </a:extLst>
-          </p:cNvPr>
-          <p:cNvSpPr txBox="1"/>
-          <p:nvPr/>
-        </p:nvSpPr>
-        <p:spPr>
-          <a:xfrm>
-            <a:off x="4686299" y="4288213"/>
-            <a:ext cx="2113079" cy="461665"/>
-          </a:xfrm>
-          <a:prstGeom prst="rect">
-            <a:avLst/>
-          </a:prstGeom>
-          <a:noFill/>
-        </p:spPr>
-        <p:txBody>
-          <a:bodyPr wrap="none" rtlCol="0">
-            <a:spAutoFit/>
-          </a:bodyPr>
-          <a:lstStyle/>
-          <a:p>
-            <a:pPr marL="285750" indent="-285750">
-              <a:buFont typeface="Arial" panose="020B0604020202020204" pitchFamily="34" charset="0"/>
-              <a:buChar char="•"/>
-            </a:pPr>
-            <a:r>
-              <a:rPr lang="fr-FR" sz="2400" dirty="0"/>
-              <a:t>Open source</a:t>
-            </a:r>
-          </a:p>
-        </p:txBody>
-      </p:sp>
-    </p:spTree>
-    <p:extLst>
-      <p:ext uri="{BB962C8B-B14F-4D97-AF65-F5344CB8AC3E}">
-        <p14:creationId xmlns:p14="http://schemas.microsoft.com/office/powerpoint/2010/main" val="2142406472"/>
-      </p:ext>
-    </p:extLst>
-  </p:cSld>
-  <p:clrMapOvr>
-    <a:overrideClrMapping bg1="dk1" tx1="lt1" bg2="dk2" tx2="lt2" accent1="accent1" accent2="accent2" accent3="accent3" accent4="accent4" accent5="accent5" accent6="accent6" hlink="hlink" folHlink="folHlink"/>
   </p:clrMapOvr>
 </p:sld>
 </file>
@@ -6769,20 +6734,20 @@
 </file>
 
 <file path=customXml/item2.xml><?xml version="1.0" encoding="utf-8"?>
+<p:properties xmlns:p="http://schemas.microsoft.com/office/2006/metadata/properties" xmlns:xsi="http://www.w3.org/2001/XMLSchema-instance" xmlns:pc="http://schemas.microsoft.com/office/infopath/2007/PartnerControls">
+  <documentManagement>
+    <_activity xmlns="39e56dbf-52ca-45db-8237-bad2db47763e" xsi:nil="true"/>
+  </documentManagement>
+</p:properties>
+</file>
+
+<file path=customXml/item3.xml><?xml version="1.0" encoding="utf-8"?>
 <?mso-contentType ?>
 <FormTemplates xmlns="http://schemas.microsoft.com/sharepoint/v3/contenttype/forms">
   <Display>DocumentLibraryForm</Display>
   <Edit>DocumentLibraryForm</Edit>
   <New>DocumentLibraryForm</New>
 </FormTemplates>
-</file>
-
-<file path=customXml/item3.xml><?xml version="1.0" encoding="utf-8"?>
-<p:properties xmlns:p="http://schemas.microsoft.com/office/2006/metadata/properties" xmlns:xsi="http://www.w3.org/2001/XMLSchema-instance" xmlns:pc="http://schemas.microsoft.com/office/infopath/2007/PartnerControls">
-  <documentManagement>
-    <_activity xmlns="39e56dbf-52ca-45db-8237-bad2db47763e" xsi:nil="true"/>
-  </documentManagement>
-</p:properties>
 </file>
 
 <file path=customXml/itemProps1.xml><?xml version="1.0" encoding="utf-8"?>
@@ -6805,14 +6770,6 @@
 </file>
 
 <file path=customXml/itemProps2.xml><?xml version="1.0" encoding="utf-8"?>
-<ds:datastoreItem xmlns:ds="http://schemas.openxmlformats.org/officeDocument/2006/customXml" ds:itemID="{E1D86A63-940C-4EA2-91A7-D6FA4C9D3718}">
-  <ds:schemaRefs>
-    <ds:schemaRef ds:uri="http://schemas.microsoft.com/sharepoint/v3/contenttype/forms"/>
-  </ds:schemaRefs>
-</ds:datastoreItem>
-</file>
-
-<file path=customXml/itemProps3.xml><?xml version="1.0" encoding="utf-8"?>
 <ds:datastoreItem xmlns:ds="http://schemas.openxmlformats.org/officeDocument/2006/customXml" ds:itemID="{EED4CB34-7536-41C5-AE6D-B4FCCCACDCA5}">
   <ds:schemaRefs>
     <ds:schemaRef ds:uri="http://schemas.microsoft.com/office/2006/metadata/properties"/>
@@ -6827,4 +6784,12 @@
     <ds:schemaRef ds:uri="http://schemas.openxmlformats.org/package/2006/metadata/core-properties"/>
   </ds:schemaRefs>
 </ds:datastoreItem>
+</file>
+
+<file path=customXml/itemProps3.xml><?xml version="1.0" encoding="utf-8"?>
+<ds:datastoreItem xmlns:ds="http://schemas.openxmlformats.org/officeDocument/2006/customXml" ds:itemID="{E1D86A63-940C-4EA2-91A7-D6FA4C9D3718}">
+  <ds:schemaRefs>
+    <ds:schemaRef ds:uri="http://schemas.microsoft.com/sharepoint/v3/contenttype/forms"/>
+  </ds:schemaRefs>
+</ds:datastoreItem>
 </file>
--- a/Swift/Swift.pptx
+++ b/Swift/Swift.pptx
@@ -6,13 +6,14 @@
   </p:sldMasterIdLst>
   <p:sldIdLst>
     <p:sldId id="256" r:id="rId5"/>
-    <p:sldId id="259" r:id="rId6"/>
-    <p:sldId id="263" r:id="rId7"/>
-    <p:sldId id="265" r:id="rId8"/>
-    <p:sldId id="264" r:id="rId9"/>
-    <p:sldId id="260" r:id="rId10"/>
-    <p:sldId id="261" r:id="rId11"/>
-    <p:sldId id="262" r:id="rId12"/>
+    <p:sldId id="267" r:id="rId6"/>
+    <p:sldId id="259" r:id="rId7"/>
+    <p:sldId id="263" r:id="rId8"/>
+    <p:sldId id="265" r:id="rId9"/>
+    <p:sldId id="264" r:id="rId10"/>
+    <p:sldId id="260" r:id="rId11"/>
+    <p:sldId id="261" r:id="rId12"/>
+    <p:sldId id="262" r:id="rId13"/>
   </p:sldIdLst>
   <p:sldSz cx="12192000" cy="6858000"/>
   <p:notesSz cx="6858000" cy="9144000"/>
@@ -272,7 +273,7 @@
           <a:p>
             <a:fld id="{D1D1EADE-8E88-4C7C-8AC5-FB148DE4940E}" type="datetime1">
               <a:rPr lang="en-US" smtClean="0"/>
-              <a:t>7/21/2025</a:t>
+              <a:t>7/24/2025</a:t>
             </a:fld>
             <a:endParaRPr lang="en-US"/>
           </a:p>
@@ -472,7 +473,7 @@
           <a:p>
             <a:fld id="{EC3C8B9C-477D-492A-96AD-1FC2CC997A73}" type="datetime1">
               <a:rPr lang="en-US" smtClean="0"/>
-              <a:t>7/21/2025</a:t>
+              <a:t>7/24/2025</a:t>
             </a:fld>
             <a:endParaRPr lang="en-US"/>
           </a:p>
@@ -682,7 +683,7 @@
           <a:p>
             <a:fld id="{42D3AED5-E26D-4E29-B1B3-7847B6779594}" type="datetime1">
               <a:rPr lang="en-US" smtClean="0"/>
-              <a:t>7/21/2025</a:t>
+              <a:t>7/24/2025</a:t>
             </a:fld>
             <a:endParaRPr lang="en-US"/>
           </a:p>
@@ -882,7 +883,7 @@
           <a:p>
             <a:fld id="{157B6794-849E-4626-908B-D15793550EFB}" type="datetime1">
               <a:rPr lang="en-US" smtClean="0"/>
-              <a:t>7/21/2025</a:t>
+              <a:t>7/24/2025</a:t>
             </a:fld>
             <a:endParaRPr lang="en-US"/>
           </a:p>
@@ -1158,7 +1159,7 @@
           <a:p>
             <a:fld id="{63DB64E7-5594-42A3-ADBF-E95A7ACEAD64}" type="datetime1">
               <a:rPr lang="en-US" smtClean="0"/>
-              <a:t>7/21/2025</a:t>
+              <a:t>7/24/2025</a:t>
             </a:fld>
             <a:endParaRPr lang="en-US"/>
           </a:p>
@@ -1431,7 +1432,7 @@
           <a:p>
             <a:fld id="{18462B0B-D248-4FFB-8695-AD7FA4B1284A}" type="datetime1">
               <a:rPr lang="en-US" smtClean="0"/>
-              <a:t>7/21/2025</a:t>
+              <a:t>7/24/2025</a:t>
             </a:fld>
             <a:endParaRPr lang="en-US"/>
           </a:p>
@@ -1854,7 +1855,7 @@
           <a:p>
             <a:fld id="{D0378EFB-9159-4510-B73F-4F0409ADE937}" type="datetime1">
               <a:rPr lang="en-US" smtClean="0"/>
-              <a:t>7/21/2025</a:t>
+              <a:t>7/24/2025</a:t>
             </a:fld>
             <a:endParaRPr lang="en-US"/>
           </a:p>
@@ -1996,7 +1997,7 @@
           <a:p>
             <a:fld id="{89BC9412-2452-4BED-A324-9D8C115361AD}" type="datetime1">
               <a:rPr lang="en-US" smtClean="0"/>
-              <a:t>7/21/2025</a:t>
+              <a:t>7/24/2025</a:t>
             </a:fld>
             <a:endParaRPr lang="en-US"/>
           </a:p>
@@ -2109,7 +2110,7 @@
           <a:p>
             <a:fld id="{F5318F62-D251-40E8-A23C-F4CFE9FEAB41}" type="datetime1">
               <a:rPr lang="en-US" smtClean="0"/>
-              <a:t>7/21/2025</a:t>
+              <a:t>7/24/2025</a:t>
             </a:fld>
             <a:endParaRPr lang="en-US"/>
           </a:p>
@@ -2422,7 +2423,7 @@
           <a:p>
             <a:fld id="{44F76144-149E-4874-93A5-554A0357CF82}" type="datetime1">
               <a:rPr lang="en-US" smtClean="0"/>
-              <a:t>7/21/2025</a:t>
+              <a:t>7/24/2025</a:t>
             </a:fld>
             <a:endParaRPr lang="en-US"/>
           </a:p>
@@ -2715,7 +2716,7 @@
           <a:p>
             <a:fld id="{50BA65D8-0540-4835-AE5C-25D29DBA01BE}" type="datetime1">
               <a:rPr lang="en-US" smtClean="0"/>
-              <a:t>7/21/2025</a:t>
+              <a:t>7/24/2025</a:t>
             </a:fld>
             <a:endParaRPr lang="en-US"/>
           </a:p>
@@ -2957,7 +2958,7 @@
           <a:p>
             <a:fld id="{E31BA835-12AC-4E8F-955A-EA3F4DE2791F}" type="datetime1">
               <a:rPr lang="en-US" smtClean="0"/>
-              <a:t>7/21/2025</a:t>
+              <a:t>7/24/2025</a:t>
             </a:fld>
             <a:endParaRPr lang="en-US"/>
           </a:p>
@@ -3768,6 +3769,406 @@
         <p:cNvPr id="1" name="">
           <a:extLst>
             <a:ext uri="{FF2B5EF4-FFF2-40B4-BE49-F238E27FC236}">
+              <a16:creationId xmlns:a16="http://schemas.microsoft.com/office/drawing/2014/main" id="{B85E42C8-E01F-9AF1-38F3-CC4B00BC7759}"/>
+            </a:ext>
+          </a:extLst>
+        </p:cNvPr>
+        <p:cNvGrpSpPr/>
+        <p:nvPr/>
+      </p:nvGrpSpPr>
+      <p:grpSpPr>
+        <a:xfrm>
+          <a:off x="0" y="0"/>
+          <a:ext cx="0" cy="0"/>
+          <a:chOff x="0" y="0"/>
+          <a:chExt cx="0" cy="0"/>
+        </a:xfrm>
+      </p:grpSpPr>
+      <p:sp useBgFill="1">
+        <p:nvSpPr>
+          <p:cNvPr id="10" name="Rectangle 9">
+            <a:extLst>
+              <a:ext uri="{FF2B5EF4-FFF2-40B4-BE49-F238E27FC236}">
+                <a16:creationId xmlns:a16="http://schemas.microsoft.com/office/drawing/2014/main" id="{DEF92653-5D6D-47E6-8744-0DAF76E049C4}"/>
+              </a:ext>
+              <a:ext uri="{C183D7F6-B498-43B3-948B-1728B52AA6E4}">
+                <adec:decorative xmlns:adec="http://schemas.microsoft.com/office/drawing/2017/decorative" val="1"/>
+              </a:ext>
+            </a:extLst>
+          </p:cNvPr>
+          <p:cNvSpPr>
+            <a:spLocks noGrp="1" noRot="1" noChangeAspect="1" noMove="1" noResize="1" noEditPoints="1" noAdjustHandles="1" noChangeArrowheads="1" noChangeShapeType="1" noTextEdit="1"/>
+          </p:cNvSpPr>
+          <p:nvPr>
+            <p:extLst>
+              <p:ext uri="{386F3935-93C4-4BCD-93E2-E3B085C9AB24}">
+                <p16:designElem xmlns:p16="http://schemas.microsoft.com/office/powerpoint/2015/main" val="1"/>
+              </p:ext>
+            </p:extLst>
+          </p:nvPr>
+        </p:nvSpPr>
+        <p:spPr>
+          <a:xfrm>
+            <a:off x="0" y="0"/>
+            <a:ext cx="12192000" cy="6858000"/>
+          </a:xfrm>
+          <a:prstGeom prst="rect">
+            <a:avLst/>
+          </a:prstGeom>
+          <a:ln w="12700" cap="flat" cmpd="sng" algn="ctr">
+            <a:noFill/>
+            <a:prstDash val="solid"/>
+            <a:miter lim="800000"/>
+          </a:ln>
+          <a:effectLst/>
+        </p:spPr>
+        <p:style>
+          <a:lnRef idx="2">
+            <a:schemeClr val="accent1">
+              <a:shade val="50000"/>
+            </a:schemeClr>
+          </a:lnRef>
+          <a:fillRef idx="1">
+            <a:schemeClr val="accent1"/>
+          </a:fillRef>
+          <a:effectRef idx="0">
+            <a:schemeClr val="accent1"/>
+          </a:effectRef>
+          <a:fontRef idx="minor">
+            <a:schemeClr val="lt1"/>
+          </a:fontRef>
+        </p:style>
+        <p:txBody>
+          <a:bodyPr rtlCol="0" anchor="ctr"/>
+          <a:lstStyle/>
+          <a:p>
+            <a:pPr algn="ctr"/>
+            <a:endParaRPr lang="en-US"/>
+          </a:p>
+        </p:txBody>
+      </p:sp>
+      <p:sp>
+        <p:nvSpPr>
+          <p:cNvPr id="5" name="ZoneTexte 4">
+            <a:extLst>
+              <a:ext uri="{FF2B5EF4-FFF2-40B4-BE49-F238E27FC236}">
+                <a16:creationId xmlns:a16="http://schemas.microsoft.com/office/drawing/2014/main" id="{CFEA5B49-42E5-3238-4FC2-71F66BB11C20}"/>
+              </a:ext>
+            </a:extLst>
+          </p:cNvPr>
+          <p:cNvSpPr txBox="1"/>
+          <p:nvPr/>
+        </p:nvSpPr>
+        <p:spPr>
+          <a:xfrm>
+            <a:off x="2816527" y="1090618"/>
+            <a:ext cx="6991776" cy="1048299"/>
+          </a:xfrm>
+          <a:prstGeom prst="rect">
+            <a:avLst/>
+          </a:prstGeom>
+        </p:spPr>
+        <p:txBody>
+          <a:bodyPr vert="horz" lIns="91440" tIns="45720" rIns="91440" bIns="45720" rtlCol="0" anchor="b">
+            <a:normAutofit/>
+          </a:bodyPr>
+          <a:lstStyle/>
+          <a:p>
+            <a:pPr>
+              <a:lnSpc>
+                <a:spcPct val="110000"/>
+              </a:lnSpc>
+              <a:spcBef>
+                <a:spcPts val="1000"/>
+              </a:spcBef>
+            </a:pPr>
+            <a:r>
+              <a:rPr lang="en-US" sz="4800" dirty="0"/>
+              <a:t>Powerful and economic</a:t>
+            </a:r>
+          </a:p>
+        </p:txBody>
+      </p:sp>
+      <p:cxnSp>
+        <p:nvCxnSpPr>
+          <p:cNvPr id="12" name="Straight Connector 11">
+            <a:extLst>
+              <a:ext uri="{FF2B5EF4-FFF2-40B4-BE49-F238E27FC236}">
+                <a16:creationId xmlns:a16="http://schemas.microsoft.com/office/drawing/2014/main" id="{9CA98CE3-81A7-4FFE-A047-9AA65998D877}"/>
+              </a:ext>
+              <a:ext uri="{C183D7F6-B498-43B3-948B-1728B52AA6E4}">
+                <adec:decorative xmlns:adec="http://schemas.microsoft.com/office/drawing/2017/decorative" val="1"/>
+              </a:ext>
+            </a:extLst>
+          </p:cNvPr>
+          <p:cNvCxnSpPr>
+            <a:cxnSpLocks noGrp="1" noRot="1" noChangeAspect="1" noMove="1" noResize="1" noEditPoints="1" noAdjustHandles="1" noChangeArrowheads="1" noChangeShapeType="1"/>
+          </p:cNvCxnSpPr>
+          <p:nvPr>
+            <p:extLst>
+              <p:ext uri="{386F3935-93C4-4BCD-93E2-E3B085C9AB24}">
+                <p16:designElem xmlns:p16="http://schemas.microsoft.com/office/powerpoint/2015/main" val="1"/>
+              </p:ext>
+            </p:extLst>
+          </p:nvPr>
+        </p:nvCxnSpPr>
+        <p:spPr>
+          <a:xfrm>
+            <a:off x="800100" y="723900"/>
+            <a:ext cx="10591800" cy="0"/>
+          </a:xfrm>
+          <a:prstGeom prst="line">
+            <a:avLst/>
+          </a:prstGeom>
+          <a:ln w="44450">
+            <a:solidFill>
+              <a:schemeClr val="tx1"/>
+            </a:solidFill>
+          </a:ln>
+        </p:spPr>
+        <p:style>
+          <a:lnRef idx="1">
+            <a:schemeClr val="accent1"/>
+          </a:lnRef>
+          <a:fillRef idx="0">
+            <a:schemeClr val="accent1"/>
+          </a:fillRef>
+          <a:effectRef idx="0">
+            <a:schemeClr val="accent1"/>
+          </a:effectRef>
+          <a:fontRef idx="minor">
+            <a:schemeClr val="tx1"/>
+          </a:fontRef>
+        </p:style>
+      </p:cxnSp>
+      <p:cxnSp>
+        <p:nvCxnSpPr>
+          <p:cNvPr id="14" name="Straight Connector 13">
+            <a:extLst>
+              <a:ext uri="{FF2B5EF4-FFF2-40B4-BE49-F238E27FC236}">
+                <a16:creationId xmlns:a16="http://schemas.microsoft.com/office/drawing/2014/main" id="{18D91C2B-BDB9-49BE-9C44-E0CFE597ABFE}"/>
+              </a:ext>
+              <a:ext uri="{C183D7F6-B498-43B3-948B-1728B52AA6E4}">
+                <adec:decorative xmlns:adec="http://schemas.microsoft.com/office/drawing/2017/decorative" val="1"/>
+              </a:ext>
+            </a:extLst>
+          </p:cNvPr>
+          <p:cNvCxnSpPr>
+            <a:cxnSpLocks noGrp="1" noRot="1" noChangeAspect="1" noMove="1" noResize="1" noEditPoints="1" noAdjustHandles="1" noChangeArrowheads="1" noChangeShapeType="1"/>
+          </p:cNvCxnSpPr>
+          <p:nvPr>
+            <p:extLst>
+              <p:ext uri="{386F3935-93C4-4BCD-93E2-E3B085C9AB24}">
+                <p16:designElem xmlns:p16="http://schemas.microsoft.com/office/powerpoint/2015/main" val="1"/>
+              </p:ext>
+            </p:extLst>
+          </p:nvPr>
+        </p:nvCxnSpPr>
+        <p:spPr>
+          <a:xfrm>
+            <a:off x="800100" y="6134100"/>
+            <a:ext cx="10591800" cy="0"/>
+          </a:xfrm>
+          <a:prstGeom prst="line">
+            <a:avLst/>
+          </a:prstGeom>
+          <a:ln w="12700">
+            <a:solidFill>
+              <a:schemeClr val="tx1"/>
+            </a:solidFill>
+          </a:ln>
+        </p:spPr>
+        <p:style>
+          <a:lnRef idx="1">
+            <a:schemeClr val="accent1"/>
+          </a:lnRef>
+          <a:fillRef idx="0">
+            <a:schemeClr val="accent1"/>
+          </a:fillRef>
+          <a:effectRef idx="0">
+            <a:schemeClr val="accent1"/>
+          </a:effectRef>
+          <a:fontRef idx="minor">
+            <a:schemeClr val="tx1"/>
+          </a:fontRef>
+        </p:style>
+      </p:cxnSp>
+      <p:sp>
+        <p:nvSpPr>
+          <p:cNvPr id="2" name="ZoneTexte 1">
+            <a:extLst>
+              <a:ext uri="{FF2B5EF4-FFF2-40B4-BE49-F238E27FC236}">
+                <a16:creationId xmlns:a16="http://schemas.microsoft.com/office/drawing/2014/main" id="{5C67F583-9B7D-06D9-9FEB-79FD1B2CC393}"/>
+              </a:ext>
+            </a:extLst>
+          </p:cNvPr>
+          <p:cNvSpPr txBox="1"/>
+          <p:nvPr/>
+        </p:nvSpPr>
+        <p:spPr>
+          <a:xfrm>
+            <a:off x="2414030" y="2914108"/>
+            <a:ext cx="7609201" cy="2246769"/>
+          </a:xfrm>
+          <a:prstGeom prst="rect">
+            <a:avLst/>
+          </a:prstGeom>
+          <a:noFill/>
+        </p:spPr>
+        <p:txBody>
+          <a:bodyPr wrap="square" rtlCol="0">
+            <a:spAutoFit/>
+          </a:bodyPr>
+          <a:lstStyle/>
+          <a:p>
+            <a:pPr>
+              <a:spcAft>
+                <a:spcPts val="600"/>
+              </a:spcAft>
+            </a:pPr>
+            <a:r>
+              <a:rPr lang="fr-FR" sz="2800" dirty="0"/>
+              <a:t>For </a:t>
+            </a:r>
+            <a:r>
+              <a:rPr lang="fr-FR" sz="2800" dirty="0" err="1"/>
+              <a:t>example</a:t>
+            </a:r>
+            <a:r>
+              <a:rPr lang="fr-FR" sz="2800" dirty="0"/>
+              <a:t> : Apple </a:t>
+            </a:r>
+            <a:r>
+              <a:rPr lang="fr-FR" sz="2800" dirty="0" err="1"/>
+              <a:t>migrated</a:t>
+            </a:r>
+            <a:r>
+              <a:rPr lang="fr-FR" sz="2800" dirty="0"/>
+              <a:t> </a:t>
+            </a:r>
+            <a:r>
+              <a:rPr lang="fr-FR" sz="2800" dirty="0" err="1"/>
+              <a:t>his</a:t>
+            </a:r>
+            <a:r>
+              <a:rPr lang="fr-FR" sz="2800" dirty="0"/>
+              <a:t> </a:t>
+            </a:r>
+            <a:r>
+              <a:rPr lang="fr-FR" sz="2800" dirty="0" err="1"/>
+              <a:t>password</a:t>
+            </a:r>
+            <a:r>
+              <a:rPr lang="fr-FR" sz="2800" dirty="0"/>
+              <a:t> monitoring service </a:t>
+            </a:r>
+            <a:r>
+              <a:rPr lang="fr-FR" sz="2800" dirty="0" err="1"/>
+              <a:t>from</a:t>
+            </a:r>
+            <a:r>
+              <a:rPr lang="fr-FR" sz="2800" dirty="0"/>
+              <a:t> Java to Swift </a:t>
+            </a:r>
+          </a:p>
+          <a:p>
+            <a:pPr>
+              <a:spcAft>
+                <a:spcPts val="600"/>
+              </a:spcAft>
+            </a:pPr>
+            <a:r>
+              <a:rPr lang="fr-FR" sz="2800" dirty="0"/>
+              <a:t>and </a:t>
+            </a:r>
+            <a:r>
+              <a:rPr lang="fr-FR" sz="2800" dirty="0" err="1"/>
+              <a:t>is</a:t>
+            </a:r>
+            <a:r>
+              <a:rPr lang="fr-FR" sz="2800" dirty="0"/>
+              <a:t> </a:t>
+            </a:r>
+            <a:r>
+              <a:rPr lang="fr-FR" sz="2800" dirty="0" err="1"/>
+              <a:t>now</a:t>
+            </a:r>
+            <a:r>
+              <a:rPr lang="fr-FR" sz="2800" dirty="0"/>
+              <a:t> 40% more </a:t>
+            </a:r>
+            <a:r>
+              <a:rPr lang="fr-FR" sz="2800" dirty="0" err="1"/>
+              <a:t>powerful</a:t>
+            </a:r>
+            <a:r>
+              <a:rPr lang="fr-FR" sz="2800" dirty="0"/>
+              <a:t> </a:t>
+            </a:r>
+            <a:r>
+              <a:rPr lang="fr-FR" sz="2800" dirty="0" err="1"/>
+              <a:t>with</a:t>
+            </a:r>
+            <a:r>
+              <a:rPr lang="fr-FR" sz="2800" dirty="0"/>
+              <a:t> a </a:t>
+            </a:r>
+            <a:r>
+              <a:rPr lang="fr-FR" sz="2800" dirty="0" err="1"/>
+              <a:t>decreasing</a:t>
+            </a:r>
+            <a:r>
+              <a:rPr lang="fr-FR" sz="2800" dirty="0"/>
+              <a:t> of 40% of codes </a:t>
+            </a:r>
+            <a:r>
+              <a:rPr lang="fr-FR" sz="2800" dirty="0" err="1"/>
+              <a:t>lines</a:t>
+            </a:r>
+            <a:r>
+              <a:rPr lang="fr-FR" sz="2800" dirty="0"/>
+              <a:t>.</a:t>
+            </a:r>
+          </a:p>
+          <a:p>
+            <a:pPr>
+              <a:spcAft>
+                <a:spcPts val="600"/>
+              </a:spcAft>
+            </a:pPr>
+            <a:endParaRPr lang="fr-FR" dirty="0"/>
+          </a:p>
+        </p:txBody>
+      </p:sp>
+    </p:spTree>
+    <p:extLst>
+      <p:ext uri="{BB962C8B-B14F-4D97-AF65-F5344CB8AC3E}">
+        <p14:creationId xmlns:p14="http://schemas.microsoft.com/office/powerpoint/2010/main" val="1112512969"/>
+      </p:ext>
+    </p:extLst>
+  </p:cSld>
+  <p:clrMapOvr>
+    <a:overrideClrMapping bg1="dk1" tx1="lt1" bg2="dk2" tx2="lt2" accent1="accent1" accent2="accent2" accent3="accent3" accent4="accent4" accent5="accent5" accent6="accent6" hlink="hlink" folHlink="folHlink"/>
+  </p:clrMapOvr>
+</p:sld>
+</file>
+
+<file path=ppt/slides/slide3.xml><?xml version="1.0" encoding="utf-8"?>
+<p:sld xmlns:a="http://schemas.openxmlformats.org/drawingml/2006/main" xmlns:r="http://schemas.openxmlformats.org/officeDocument/2006/relationships" xmlns:p="http://schemas.openxmlformats.org/presentationml/2006/main">
+  <p:cSld>
+    <p:bg>
+      <p:bgPr>
+        <a:solidFill>
+          <a:schemeClr val="bg1"/>
+        </a:solidFill>
+        <a:effectLst/>
+      </p:bgPr>
+    </p:bg>
+    <p:spTree>
+      <p:nvGrpSpPr>
+        <p:cNvPr id="1" name="">
+          <a:extLst>
+            <a:ext uri="{FF2B5EF4-FFF2-40B4-BE49-F238E27FC236}">
               <a16:creationId xmlns:a16="http://schemas.microsoft.com/office/drawing/2014/main" id="{91E02DEF-C195-0714-1A70-50B6B6F56A8F}"/>
             </a:ext>
           </a:extLst>
@@ -4034,7 +4435,7 @@
         </p:nvSpPr>
         <p:spPr>
           <a:xfrm>
-            <a:off x="4686299" y="2045870"/>
+            <a:off x="4763416" y="2976050"/>
             <a:ext cx="2423746" cy="452950"/>
           </a:xfrm>
           <a:prstGeom prst="rect">
@@ -4078,7 +4479,7 @@
         </p:nvSpPr>
         <p:spPr>
           <a:xfrm>
-            <a:off x="4686299" y="2775440"/>
+            <a:off x="4763416" y="3705620"/>
             <a:ext cx="2028092" cy="461665"/>
           </a:xfrm>
           <a:prstGeom prst="rect">
@@ -4105,10 +4506,10 @@
       </p:sp>
       <p:sp>
         <p:nvSpPr>
-          <p:cNvPr id="25" name="ZoneTexte 24">
-            <a:extLst>
-              <a:ext uri="{FF2B5EF4-FFF2-40B4-BE49-F238E27FC236}">
-                <a16:creationId xmlns:a16="http://schemas.microsoft.com/office/drawing/2014/main" id="{A947E8FD-533D-391B-5C4B-C393BE3335E9}"/>
+          <p:cNvPr id="27" name="ZoneTexte 26">
+            <a:extLst>
+              <a:ext uri="{FF2B5EF4-FFF2-40B4-BE49-F238E27FC236}">
+                <a16:creationId xmlns:a16="http://schemas.microsoft.com/office/drawing/2014/main" id="{93983887-04AA-90D8-1C66-0358C2399D22}"/>
               </a:ext>
             </a:extLst>
           </p:cNvPr>
@@ -4117,8 +4518,8 @@
         </p:nvSpPr>
         <p:spPr>
           <a:xfrm>
-            <a:off x="4686299" y="4292445"/>
-            <a:ext cx="1537600" cy="461665"/>
+            <a:off x="4763416" y="4448137"/>
+            <a:ext cx="2113079" cy="461665"/>
           </a:xfrm>
           <a:prstGeom prst="rect">
             <a:avLst/>
@@ -4137,17 +4538,17 @@
             </a:pPr>
             <a:r>
               <a:rPr lang="fr-FR" sz="2400" dirty="0"/>
-              <a:t>Security</a:t>
-            </a:r>
-          </a:p>
-        </p:txBody>
-      </p:sp>
-      <p:sp>
-        <p:nvSpPr>
-          <p:cNvPr id="27" name="ZoneTexte 26">
-            <a:extLst>
-              <a:ext uri="{FF2B5EF4-FFF2-40B4-BE49-F238E27FC236}">
-                <a16:creationId xmlns:a16="http://schemas.microsoft.com/office/drawing/2014/main" id="{93983887-04AA-90D8-1C66-0358C2399D22}"/>
+              <a:t>Open source</a:t>
+            </a:r>
+          </a:p>
+        </p:txBody>
+      </p:sp>
+      <p:sp>
+        <p:nvSpPr>
+          <p:cNvPr id="3" name="ZoneTexte 2">
+            <a:extLst>
+              <a:ext uri="{FF2B5EF4-FFF2-40B4-BE49-F238E27FC236}">
+                <a16:creationId xmlns:a16="http://schemas.microsoft.com/office/drawing/2014/main" id="{4B5E5EB6-4D0F-4CDD-8102-B507A52DAD77}"/>
               </a:ext>
             </a:extLst>
           </p:cNvPr>
@@ -4156,8 +4557,8 @@
         </p:nvSpPr>
         <p:spPr>
           <a:xfrm>
-            <a:off x="4686299" y="3517957"/>
-            <a:ext cx="2113079" cy="461665"/>
+            <a:off x="4789941" y="2286765"/>
+            <a:ext cx="1797287" cy="461665"/>
           </a:xfrm>
           <a:prstGeom prst="rect">
             <a:avLst/>
@@ -4175,9 +4576,10 @@
               <a:buChar char="•"/>
             </a:pPr>
             <a:r>
-              <a:rPr lang="fr-FR" sz="2400" dirty="0"/>
-              <a:t>Open source</a:t>
-            </a:r>
+              <a:rPr lang="fr-FR" sz="2400" dirty="0" err="1"/>
+              <a:t>Simplicity</a:t>
+            </a:r>
+            <a:endParaRPr lang="fr-FR" sz="2400" dirty="0"/>
           </a:p>
         </p:txBody>
       </p:sp>
@@ -4194,7 +4596,7 @@
 </p:sld>
 </file>
 
-<file path=ppt/slides/slide3.xml><?xml version="1.0" encoding="utf-8"?>
+<file path=ppt/slides/slide4.xml><?xml version="1.0" encoding="utf-8"?>
 <p:sld xmlns:a="http://schemas.openxmlformats.org/drawingml/2006/main" xmlns:r="http://schemas.openxmlformats.org/officeDocument/2006/relationships" xmlns:p="http://schemas.openxmlformats.org/presentationml/2006/main">
   <p:cSld>
     <p:bg>
@@ -4606,7 +5008,7 @@
 </p:sld>
 </file>
 
-<file path=ppt/slides/slide4.xml><?xml version="1.0" encoding="utf-8"?>
+<file path=ppt/slides/slide5.xml><?xml version="1.0" encoding="utf-8"?>
 <p:sld xmlns:a="http://schemas.openxmlformats.org/drawingml/2006/main" xmlns:r="http://schemas.openxmlformats.org/officeDocument/2006/relationships" xmlns:p="http://schemas.openxmlformats.org/presentationml/2006/main">
   <p:cSld>
     <p:bg>
@@ -4922,7 +5324,7 @@
 </p:sld>
 </file>
 
-<file path=ppt/slides/slide5.xml><?xml version="1.0" encoding="utf-8"?>
+<file path=ppt/slides/slide6.xml><?xml version="1.0" encoding="utf-8"?>
 <p:sld xmlns:a="http://schemas.openxmlformats.org/drawingml/2006/main" xmlns:r="http://schemas.openxmlformats.org/officeDocument/2006/relationships" xmlns:p="http://schemas.openxmlformats.org/presentationml/2006/main">
   <p:cSld>
     <p:spTree>
@@ -4994,7 +5396,7 @@
 </p:sld>
 </file>
 
-<file path=ppt/slides/slide6.xml><?xml version="1.0" encoding="utf-8"?>
+<file path=ppt/slides/slide7.xml><?xml version="1.0" encoding="utf-8"?>
 <p:sld xmlns:a="http://schemas.openxmlformats.org/drawingml/2006/main" xmlns:r="http://schemas.openxmlformats.org/officeDocument/2006/relationships" xmlns:p="http://schemas.openxmlformats.org/presentationml/2006/main">
   <p:cSld>
     <p:bg>
@@ -5418,7 +5820,7 @@
 </p:sld>
 </file>
 
-<file path=ppt/slides/slide7.xml><?xml version="1.0" encoding="utf-8"?>
+<file path=ppt/slides/slide8.xml><?xml version="1.0" encoding="utf-8"?>
 <p:sld xmlns:a="http://schemas.openxmlformats.org/drawingml/2006/main" xmlns:r="http://schemas.openxmlformats.org/officeDocument/2006/relationships" xmlns:p="http://schemas.openxmlformats.org/presentationml/2006/main">
   <p:cSld>
     <p:bg>
@@ -5831,7 +6233,7 @@
 </p:sld>
 </file>
 
-<file path=ppt/slides/slide8.xml><?xml version="1.0" encoding="utf-8"?>
+<file path=ppt/slides/slide9.xml><?xml version="1.0" encoding="utf-8"?>
 <p:sld xmlns:a="http://schemas.openxmlformats.org/drawingml/2006/main" xmlns:r="http://schemas.openxmlformats.org/officeDocument/2006/relationships" xmlns:p="http://schemas.openxmlformats.org/presentationml/2006/main">
   <p:cSld>
     <p:bg>
@@ -6734,20 +7136,20 @@
 </file>
 
 <file path=customXml/item2.xml><?xml version="1.0" encoding="utf-8"?>
-<p:properties xmlns:p="http://schemas.microsoft.com/office/2006/metadata/properties" xmlns:xsi="http://www.w3.org/2001/XMLSchema-instance" xmlns:pc="http://schemas.microsoft.com/office/infopath/2007/PartnerControls">
-  <documentManagement>
-    <_activity xmlns="39e56dbf-52ca-45db-8237-bad2db47763e" xsi:nil="true"/>
-  </documentManagement>
-</p:properties>
-</file>
-
-<file path=customXml/item3.xml><?xml version="1.0" encoding="utf-8"?>
 <?mso-contentType ?>
 <FormTemplates xmlns="http://schemas.microsoft.com/sharepoint/v3/contenttype/forms">
   <Display>DocumentLibraryForm</Display>
   <Edit>DocumentLibraryForm</Edit>
   <New>DocumentLibraryForm</New>
 </FormTemplates>
+</file>
+
+<file path=customXml/item3.xml><?xml version="1.0" encoding="utf-8"?>
+<p:properties xmlns:p="http://schemas.microsoft.com/office/2006/metadata/properties" xmlns:xsi="http://www.w3.org/2001/XMLSchema-instance" xmlns:pc="http://schemas.microsoft.com/office/infopath/2007/PartnerControls">
+  <documentManagement>
+    <_activity xmlns="39e56dbf-52ca-45db-8237-bad2db47763e" xsi:nil="true"/>
+  </documentManagement>
+</p:properties>
 </file>
 
 <file path=customXml/itemProps1.xml><?xml version="1.0" encoding="utf-8"?>
@@ -6770,6 +7172,14 @@
 </file>
 
 <file path=customXml/itemProps2.xml><?xml version="1.0" encoding="utf-8"?>
+<ds:datastoreItem xmlns:ds="http://schemas.openxmlformats.org/officeDocument/2006/customXml" ds:itemID="{E1D86A63-940C-4EA2-91A7-D6FA4C9D3718}">
+  <ds:schemaRefs>
+    <ds:schemaRef ds:uri="http://schemas.microsoft.com/sharepoint/v3/contenttype/forms"/>
+  </ds:schemaRefs>
+</ds:datastoreItem>
+</file>
+
+<file path=customXml/itemProps3.xml><?xml version="1.0" encoding="utf-8"?>
 <ds:datastoreItem xmlns:ds="http://schemas.openxmlformats.org/officeDocument/2006/customXml" ds:itemID="{EED4CB34-7536-41C5-AE6D-B4FCCCACDCA5}">
   <ds:schemaRefs>
     <ds:schemaRef ds:uri="http://schemas.microsoft.com/office/2006/metadata/properties"/>
@@ -6784,12 +7194,4 @@
     <ds:schemaRef ds:uri="http://schemas.openxmlformats.org/package/2006/metadata/core-properties"/>
   </ds:schemaRefs>
 </ds:datastoreItem>
-</file>
-
-<file path=customXml/itemProps3.xml><?xml version="1.0" encoding="utf-8"?>
-<ds:datastoreItem xmlns:ds="http://schemas.openxmlformats.org/officeDocument/2006/customXml" ds:itemID="{E1D86A63-940C-4EA2-91A7-D6FA4C9D3718}">
-  <ds:schemaRefs>
-    <ds:schemaRef ds:uri="http://schemas.microsoft.com/sharepoint/v3/contenttype/forms"/>
-  </ds:schemaRefs>
-</ds:datastoreItem>
 </file>